--- a/teaching/grad orientation/jobs.pptx
+++ b/teaching/grad orientation/jobs.pptx
@@ -15,9 +15,8 @@
     <p:sldId id="265" r:id="rId9"/>
     <p:sldId id="261" r:id="rId10"/>
     <p:sldId id="264" r:id="rId11"/>
-    <p:sldId id="267" r:id="rId12"/>
-    <p:sldId id="268" r:id="rId13"/>
-    <p:sldId id="259" r:id="rId14"/>
+    <p:sldId id="268" r:id="rId12"/>
+    <p:sldId id="259" r:id="rId13"/>
   </p:sldIdLst>
   <p:sldSz cx="12192000" cy="6858000"/>
   <p:notesSz cx="6858000" cy="9144000"/>
@@ -116,6 +115,11 @@
       </a:defRPr>
     </a:lvl9pPr>
   </p:defaultTextStyle>
+  <p:extLst>
+    <p:ext uri="{EFAFB233-063F-42B5-8137-9DF3F51BA10A}">
+      <p15:sldGuideLst xmlns:p15="http://schemas.microsoft.com/office/powerpoint/2012/main"/>
+    </p:ext>
+  </p:extLst>
 </p:presentation>
 </file>
 
@@ -266,7 +270,7 @@
           <a:p>
             <a:fld id="{EFB07967-A1CF-DF47-8C93-52276ACF0DAA}" type="datetimeFigureOut">
               <a:rPr lang="en-US" smtClean="0"/>
-              <a:t>9/8/22</a:t>
+              <a:t>9/16/22</a:t>
             </a:fld>
             <a:endParaRPr lang="en-US"/>
           </a:p>
@@ -464,7 +468,7 @@
           <a:p>
             <a:fld id="{EFB07967-A1CF-DF47-8C93-52276ACF0DAA}" type="datetimeFigureOut">
               <a:rPr lang="en-US" smtClean="0"/>
-              <a:t>9/8/22</a:t>
+              <a:t>9/16/22</a:t>
             </a:fld>
             <a:endParaRPr lang="en-US"/>
           </a:p>
@@ -672,7 +676,7 @@
           <a:p>
             <a:fld id="{EFB07967-A1CF-DF47-8C93-52276ACF0DAA}" type="datetimeFigureOut">
               <a:rPr lang="en-US" smtClean="0"/>
-              <a:t>9/8/22</a:t>
+              <a:t>9/16/22</a:t>
             </a:fld>
             <a:endParaRPr lang="en-US"/>
           </a:p>
@@ -870,7 +874,7 @@
           <a:p>
             <a:fld id="{EFB07967-A1CF-DF47-8C93-52276ACF0DAA}" type="datetimeFigureOut">
               <a:rPr lang="en-US" smtClean="0"/>
-              <a:t>9/8/22</a:t>
+              <a:t>9/16/22</a:t>
             </a:fld>
             <a:endParaRPr lang="en-US"/>
           </a:p>
@@ -1145,7 +1149,7 @@
           <a:p>
             <a:fld id="{EFB07967-A1CF-DF47-8C93-52276ACF0DAA}" type="datetimeFigureOut">
               <a:rPr lang="en-US" smtClean="0"/>
-              <a:t>9/8/22</a:t>
+              <a:t>9/16/22</a:t>
             </a:fld>
             <a:endParaRPr lang="en-US"/>
           </a:p>
@@ -1410,7 +1414,7 @@
           <a:p>
             <a:fld id="{EFB07967-A1CF-DF47-8C93-52276ACF0DAA}" type="datetimeFigureOut">
               <a:rPr lang="en-US" smtClean="0"/>
-              <a:t>9/8/22</a:t>
+              <a:t>9/16/22</a:t>
             </a:fld>
             <a:endParaRPr lang="en-US"/>
           </a:p>
@@ -1822,7 +1826,7 @@
           <a:p>
             <a:fld id="{EFB07967-A1CF-DF47-8C93-52276ACF0DAA}" type="datetimeFigureOut">
               <a:rPr lang="en-US" smtClean="0"/>
-              <a:t>9/8/22</a:t>
+              <a:t>9/16/22</a:t>
             </a:fld>
             <a:endParaRPr lang="en-US"/>
           </a:p>
@@ -1963,7 +1967,7 @@
           <a:p>
             <a:fld id="{EFB07967-A1CF-DF47-8C93-52276ACF0DAA}" type="datetimeFigureOut">
               <a:rPr lang="en-US" smtClean="0"/>
-              <a:t>9/8/22</a:t>
+              <a:t>9/16/22</a:t>
             </a:fld>
             <a:endParaRPr lang="en-US"/>
           </a:p>
@@ -2076,7 +2080,7 @@
           <a:p>
             <a:fld id="{EFB07967-A1CF-DF47-8C93-52276ACF0DAA}" type="datetimeFigureOut">
               <a:rPr lang="en-US" smtClean="0"/>
-              <a:t>9/8/22</a:t>
+              <a:t>9/16/22</a:t>
             </a:fld>
             <a:endParaRPr lang="en-US"/>
           </a:p>
@@ -2387,7 +2391,7 @@
           <a:p>
             <a:fld id="{EFB07967-A1CF-DF47-8C93-52276ACF0DAA}" type="datetimeFigureOut">
               <a:rPr lang="en-US" smtClean="0"/>
-              <a:t>9/8/22</a:t>
+              <a:t>9/16/22</a:t>
             </a:fld>
             <a:endParaRPr lang="en-US"/>
           </a:p>
@@ -2675,7 +2679,7 @@
           <a:p>
             <a:fld id="{EFB07967-A1CF-DF47-8C93-52276ACF0DAA}" type="datetimeFigureOut">
               <a:rPr lang="en-US" smtClean="0"/>
-              <a:t>9/8/22</a:t>
+              <a:t>9/16/22</a:t>
             </a:fld>
             <a:endParaRPr lang="en-US"/>
           </a:p>
@@ -2916,7 +2920,7 @@
           <a:p>
             <a:fld id="{EFB07967-A1CF-DF47-8C93-52276ACF0DAA}" type="datetimeFigureOut">
               <a:rPr lang="en-US" smtClean="0"/>
-              <a:t>9/8/22</a:t>
+              <a:t>9/16/22</a:t>
             </a:fld>
             <a:endParaRPr lang="en-US"/>
           </a:p>
@@ -4509,36 +4513,6 @@
 </file>
 
 <file path=ppt/slides/slide11.xml><?xml version="1.0" encoding="utf-8"?>
-<p:sld xmlns:a="http://schemas.openxmlformats.org/drawingml/2006/main" xmlns:r="http://schemas.openxmlformats.org/officeDocument/2006/relationships" xmlns:p="http://schemas.openxmlformats.org/presentationml/2006/main">
-  <p:cSld>
-    <p:spTree>
-      <p:nvGrpSpPr>
-        <p:cNvPr id="1" name=""/>
-        <p:cNvGrpSpPr/>
-        <p:nvPr/>
-      </p:nvGrpSpPr>
-      <p:grpSpPr>
-        <a:xfrm>
-          <a:off x="0" y="0"/>
-          <a:ext cx="0" cy="0"/>
-          <a:chOff x="0" y="0"/>
-          <a:chExt cx="0" cy="0"/>
-        </a:xfrm>
-      </p:grpSpPr>
-    </p:spTree>
-    <p:extLst>
-      <p:ext uri="{BB962C8B-B14F-4D97-AF65-F5344CB8AC3E}">
-        <p14:creationId xmlns:p14="http://schemas.microsoft.com/office/powerpoint/2010/main" val="3484182070"/>
-      </p:ext>
-    </p:extLst>
-  </p:cSld>
-  <p:clrMapOvr>
-    <a:masterClrMapping/>
-  </p:clrMapOvr>
-</p:sld>
-</file>
-
-<file path=ppt/slides/slide12.xml><?xml version="1.0" encoding="utf-8"?>
 <p:sld xmlns:a="http://schemas.openxmlformats.org/drawingml/2006/main" xmlns:r="http://schemas.openxmlformats.org/officeDocument/2006/relationships" xmlns:p="http://schemas.openxmlformats.org/presentationml/2006/main">
   <p:cSld>
     <p:spTree>
@@ -5913,7 +5887,7 @@
 </p:sld>
 </file>
 
-<file path=ppt/slides/slide13.xml><?xml version="1.0" encoding="utf-8"?>
+<file path=ppt/slides/slide12.xml><?xml version="1.0" encoding="utf-8"?>
 <p:sld xmlns:a="http://schemas.openxmlformats.org/drawingml/2006/main" xmlns:r="http://schemas.openxmlformats.org/officeDocument/2006/relationships" xmlns:p="http://schemas.openxmlformats.org/presentationml/2006/main">
   <p:cSld>
     <p:spTree>
